--- a/_pages/relay/relaye-icons.pptx
+++ b/_pages/relay/relaye-icons.pptx
@@ -8,6 +8,7 @@
     <p:sldId id="256" r:id="rId2"/>
     <p:sldId id="259" r:id="rId3"/>
     <p:sldId id="258" r:id="rId4"/>
+    <p:sldId id="260" r:id="rId5"/>
   </p:sldIdLst>
   <p:sldSz cx="12192000" cy="6858000"/>
   <p:notesSz cx="6858000" cy="9144000"/>
@@ -245,7 +246,7 @@
           <a:p>
             <a:fld id="{4C8496CD-B7FA-4838-A226-5240E51FC3FD}" type="datetimeFigureOut">
               <a:rPr lang="en-US" smtClean="0"/>
-              <a:t>6/5/2022</a:t>
+              <a:t>6/11/2022</a:t>
             </a:fld>
             <a:endParaRPr lang="en-US"/>
           </a:p>
@@ -415,7 +416,7 @@
           <a:p>
             <a:fld id="{4C8496CD-B7FA-4838-A226-5240E51FC3FD}" type="datetimeFigureOut">
               <a:rPr lang="en-US" smtClean="0"/>
-              <a:t>6/5/2022</a:t>
+              <a:t>6/11/2022</a:t>
             </a:fld>
             <a:endParaRPr lang="en-US"/>
           </a:p>
@@ -595,7 +596,7 @@
           <a:p>
             <a:fld id="{4C8496CD-B7FA-4838-A226-5240E51FC3FD}" type="datetimeFigureOut">
               <a:rPr lang="en-US" smtClean="0"/>
-              <a:t>6/5/2022</a:t>
+              <a:t>6/11/2022</a:t>
             </a:fld>
             <a:endParaRPr lang="en-US"/>
           </a:p>
@@ -765,7 +766,7 @@
           <a:p>
             <a:fld id="{4C8496CD-B7FA-4838-A226-5240E51FC3FD}" type="datetimeFigureOut">
               <a:rPr lang="en-US" smtClean="0"/>
-              <a:t>6/5/2022</a:t>
+              <a:t>6/11/2022</a:t>
             </a:fld>
             <a:endParaRPr lang="en-US"/>
           </a:p>
@@ -1011,7 +1012,7 @@
           <a:p>
             <a:fld id="{4C8496CD-B7FA-4838-A226-5240E51FC3FD}" type="datetimeFigureOut">
               <a:rPr lang="en-US" smtClean="0"/>
-              <a:t>6/5/2022</a:t>
+              <a:t>6/11/2022</a:t>
             </a:fld>
             <a:endParaRPr lang="en-US"/>
           </a:p>
@@ -1243,7 +1244,7 @@
           <a:p>
             <a:fld id="{4C8496CD-B7FA-4838-A226-5240E51FC3FD}" type="datetimeFigureOut">
               <a:rPr lang="en-US" smtClean="0"/>
-              <a:t>6/5/2022</a:t>
+              <a:t>6/11/2022</a:t>
             </a:fld>
             <a:endParaRPr lang="en-US"/>
           </a:p>
@@ -1610,7 +1611,7 @@
           <a:p>
             <a:fld id="{4C8496CD-B7FA-4838-A226-5240E51FC3FD}" type="datetimeFigureOut">
               <a:rPr lang="en-US" smtClean="0"/>
-              <a:t>6/5/2022</a:t>
+              <a:t>6/11/2022</a:t>
             </a:fld>
             <a:endParaRPr lang="en-US"/>
           </a:p>
@@ -1728,7 +1729,7 @@
           <a:p>
             <a:fld id="{4C8496CD-B7FA-4838-A226-5240E51FC3FD}" type="datetimeFigureOut">
               <a:rPr lang="en-US" smtClean="0"/>
-              <a:t>6/5/2022</a:t>
+              <a:t>6/11/2022</a:t>
             </a:fld>
             <a:endParaRPr lang="en-US"/>
           </a:p>
@@ -1823,7 +1824,7 @@
           <a:p>
             <a:fld id="{4C8496CD-B7FA-4838-A226-5240E51FC3FD}" type="datetimeFigureOut">
               <a:rPr lang="en-US" smtClean="0"/>
-              <a:t>6/5/2022</a:t>
+              <a:t>6/11/2022</a:t>
             </a:fld>
             <a:endParaRPr lang="en-US"/>
           </a:p>
@@ -2100,7 +2101,7 @@
           <a:p>
             <a:fld id="{4C8496CD-B7FA-4838-A226-5240E51FC3FD}" type="datetimeFigureOut">
               <a:rPr lang="en-US" smtClean="0"/>
-              <a:t>6/5/2022</a:t>
+              <a:t>6/11/2022</a:t>
             </a:fld>
             <a:endParaRPr lang="en-US"/>
           </a:p>
@@ -2357,7 +2358,7 @@
           <a:p>
             <a:fld id="{4C8496CD-B7FA-4838-A226-5240E51FC3FD}" type="datetimeFigureOut">
               <a:rPr lang="en-US" smtClean="0"/>
-              <a:t>6/5/2022</a:t>
+              <a:t>6/11/2022</a:t>
             </a:fld>
             <a:endParaRPr lang="en-US"/>
           </a:p>
@@ -2570,7 +2571,7 @@
           <a:p>
             <a:fld id="{4C8496CD-B7FA-4838-A226-5240E51FC3FD}" type="datetimeFigureOut">
               <a:rPr lang="en-US" smtClean="0"/>
-              <a:t>6/5/2022</a:t>
+              <a:t>6/11/2022</a:t>
             </a:fld>
             <a:endParaRPr lang="en-US"/>
           </a:p>
@@ -3239,12 +3240,90 @@
           </a:p>
         </p:txBody>
       </p:sp>
+      <p:pic>
+        <p:nvPicPr>
+          <p:cNvPr id="8" name="Graphic 7" descr="Chat with solid fill">
+            <a:extLst>
+              <a:ext uri="{FF2B5EF4-FFF2-40B4-BE49-F238E27FC236}">
+                <a16:creationId xmlns:a16="http://schemas.microsoft.com/office/drawing/2014/main" id="{156CBDEC-F500-6B1E-DAC9-E68B1D22A8CA}"/>
+              </a:ext>
+            </a:extLst>
+          </p:cNvPr>
+          <p:cNvPicPr>
+            <a:picLocks noChangeAspect="1"/>
+          </p:cNvPicPr>
+          <p:nvPr/>
+        </p:nvPicPr>
+        <p:blipFill>
+          <a:blip r:embed="rId2">
+            <a:extLst>
+              <a:ext uri="{28A0092B-C50C-407E-A947-70E740481C1C}">
+                <a14:useLocalDpi xmlns:a14="http://schemas.microsoft.com/office/drawing/2010/main" val="0"/>
+              </a:ext>
+              <a:ext uri="{96DAC541-7B7A-43D3-8B79-37D633B846F1}">
+                <asvg:svgBlip xmlns:asvg="http://schemas.microsoft.com/office/drawing/2016/SVG/main" r:embed="rId3"/>
+              </a:ext>
+            </a:extLst>
+          </a:blip>
+          <a:stretch>
+            <a:fillRect/>
+          </a:stretch>
+        </p:blipFill>
+        <p:spPr>
+          <a:xfrm>
+            <a:off x="3467386" y="2583227"/>
+            <a:ext cx="914400" cy="914400"/>
+          </a:xfrm>
+          <a:prstGeom prst="rect">
+            <a:avLst/>
+          </a:prstGeom>
+        </p:spPr>
+      </p:pic>
+      <p:pic>
+        <p:nvPicPr>
+          <p:cNvPr id="17" name="Graphic 16" descr="Chat with solid fill">
+            <a:extLst>
+              <a:ext uri="{FF2B5EF4-FFF2-40B4-BE49-F238E27FC236}">
+                <a16:creationId xmlns:a16="http://schemas.microsoft.com/office/drawing/2014/main" id="{D91F1E69-5F2A-277F-81B0-89EF411AD83B}"/>
+              </a:ext>
+            </a:extLst>
+          </p:cNvPr>
+          <p:cNvPicPr>
+            <a:picLocks noChangeAspect="1"/>
+          </p:cNvPicPr>
+          <p:nvPr/>
+        </p:nvPicPr>
+        <p:blipFill>
+          <a:blip r:embed="rId2">
+            <a:extLst>
+              <a:ext uri="{28A0092B-C50C-407E-A947-70E740481C1C}">
+                <a14:useLocalDpi xmlns:a14="http://schemas.microsoft.com/office/drawing/2010/main" val="0"/>
+              </a:ext>
+              <a:ext uri="{96DAC541-7B7A-43D3-8B79-37D633B846F1}">
+                <asvg:svgBlip xmlns:asvg="http://schemas.microsoft.com/office/drawing/2016/SVG/main" r:embed="rId3"/>
+              </a:ext>
+            </a:extLst>
+          </a:blip>
+          <a:stretch>
+            <a:fillRect/>
+          </a:stretch>
+        </p:blipFill>
+        <p:spPr>
+          <a:xfrm>
+            <a:off x="1462110" y="2514600"/>
+            <a:ext cx="914400" cy="914400"/>
+          </a:xfrm>
+          <a:prstGeom prst="rect">
+            <a:avLst/>
+          </a:prstGeom>
+        </p:spPr>
+      </p:pic>
       <p:grpSp>
         <p:nvGrpSpPr>
-          <p:cNvPr id="9" name="Group 8">
+          <p:cNvPr id="7" name="Group 6">
             <a:extLst>
               <a:ext uri="{FF2B5EF4-FFF2-40B4-BE49-F238E27FC236}">
-                <a16:creationId xmlns:a16="http://schemas.microsoft.com/office/drawing/2014/main" id="{DC9010D9-074B-AE8A-FE9B-CC4C821E0136}"/>
+                <a16:creationId xmlns:a16="http://schemas.microsoft.com/office/drawing/2014/main" id="{A831440B-3576-32D7-BEEE-522DB70DB8F2}"/>
               </a:ext>
             </a:extLst>
           </p:cNvPr>
@@ -3313,10 +3392,10 @@
         </p:sp>
         <p:pic>
           <p:nvPicPr>
-            <p:cNvPr id="8" name="Graphic 7" descr="Chat with solid fill">
+            <p:cNvPr id="6" name="Graphic 5" descr="Inbox Check with solid fill">
               <a:extLst>
                 <a:ext uri="{FF2B5EF4-FFF2-40B4-BE49-F238E27FC236}">
-                  <a16:creationId xmlns:a16="http://schemas.microsoft.com/office/drawing/2014/main" id="{156CBDEC-F500-6B1E-DAC9-E68B1D22A8CA}"/>
+                  <a16:creationId xmlns:a16="http://schemas.microsoft.com/office/drawing/2014/main" id="{FF8F0A95-0D1A-2790-B350-42E7042D3008}"/>
                 </a:ext>
               </a:extLst>
             </p:cNvPr>
@@ -3326,13 +3405,13 @@
             <p:nvPr/>
           </p:nvPicPr>
           <p:blipFill>
-            <a:blip r:embed="rId2">
+            <a:blip r:embed="rId4">
               <a:extLst>
                 <a:ext uri="{28A0092B-C50C-407E-A947-70E740481C1C}">
                   <a14:useLocalDpi xmlns:a14="http://schemas.microsoft.com/office/drawing/2010/main" val="0"/>
                 </a:ext>
                 <a:ext uri="{96DAC541-7B7A-43D3-8B79-37D633B846F1}">
-                  <asvg:svgBlip xmlns:asvg="http://schemas.microsoft.com/office/drawing/2016/SVG/main" r:embed="rId3"/>
+                  <asvg:svgBlip xmlns:asvg="http://schemas.microsoft.com/office/drawing/2016/SVG/main" r:embed="rId5"/>
                 </a:ext>
               </a:extLst>
             </a:blip>
@@ -3353,10 +3432,10 @@
       </p:grpSp>
       <p:pic>
         <p:nvPicPr>
-          <p:cNvPr id="17" name="Graphic 16" descr="Chat with solid fill">
+          <p:cNvPr id="16" name="Graphic 15" descr="Inbox Check with solid fill">
             <a:extLst>
               <a:ext uri="{FF2B5EF4-FFF2-40B4-BE49-F238E27FC236}">
-                <a16:creationId xmlns:a16="http://schemas.microsoft.com/office/drawing/2014/main" id="{D91F1E69-5F2A-277F-81B0-89EF411AD83B}"/>
+                <a16:creationId xmlns:a16="http://schemas.microsoft.com/office/drawing/2014/main" id="{78E5EA0F-2021-4733-8BBB-BC2E5C9A2856}"/>
               </a:ext>
             </a:extLst>
           </p:cNvPr>
@@ -3366,13 +3445,13 @@
           <p:nvPr/>
         </p:nvPicPr>
         <p:blipFill>
-          <a:blip r:embed="rId2">
+          <a:blip r:embed="rId4">
             <a:extLst>
               <a:ext uri="{28A0092B-C50C-407E-A947-70E740481C1C}">
                 <a14:useLocalDpi xmlns:a14="http://schemas.microsoft.com/office/drawing/2010/main" val="0"/>
               </a:ext>
               <a:ext uri="{96DAC541-7B7A-43D3-8B79-37D633B846F1}">
-                <asvg:svgBlip xmlns:asvg="http://schemas.microsoft.com/office/drawing/2016/SVG/main" r:embed="rId3"/>
+                <asvg:svgBlip xmlns:asvg="http://schemas.microsoft.com/office/drawing/2016/SVG/main" r:embed="rId5"/>
               </a:ext>
             </a:extLst>
           </a:blip>
@@ -3382,7 +3461,7 @@
         </p:blipFill>
         <p:spPr>
           <a:xfrm>
-            <a:off x="1462110" y="2514600"/>
+            <a:off x="3652981" y="5104320"/>
             <a:ext cx="914400" cy="914400"/>
           </a:xfrm>
           <a:prstGeom prst="rect">
@@ -3789,6 +3868,97 @@
     <p:extLst>
       <p:ext uri="{BB962C8B-B14F-4D97-AF65-F5344CB8AC3E}">
         <p14:creationId xmlns:p14="http://schemas.microsoft.com/office/powerpoint/2010/main" val="1031451557"/>
+      </p:ext>
+    </p:extLst>
+  </p:cSld>
+  <p:clrMapOvr>
+    <a:masterClrMapping/>
+  </p:clrMapOvr>
+</p:sld>
+</file>
+
+<file path=ppt/slides/slide4.xml><?xml version="1.0" encoding="utf-8"?>
+<p:sld xmlns:a="http://schemas.openxmlformats.org/drawingml/2006/main" xmlns:r="http://schemas.openxmlformats.org/officeDocument/2006/relationships" xmlns:p="http://schemas.openxmlformats.org/presentationml/2006/main">
+  <p:cSld>
+    <p:spTree>
+      <p:nvGrpSpPr>
+        <p:cNvPr id="1" name=""/>
+        <p:cNvGrpSpPr/>
+        <p:nvPr/>
+      </p:nvGrpSpPr>
+      <p:grpSpPr>
+        <a:xfrm>
+          <a:off x="0" y="0"/>
+          <a:ext cx="0" cy="0"/>
+          <a:chOff x="0" y="0"/>
+          <a:chExt cx="0" cy="0"/>
+        </a:xfrm>
+      </p:grpSpPr>
+      <p:sp>
+        <p:nvSpPr>
+          <p:cNvPr id="2" name="Title 1">
+            <a:extLst>
+              <a:ext uri="{FF2B5EF4-FFF2-40B4-BE49-F238E27FC236}">
+                <a16:creationId xmlns:a16="http://schemas.microsoft.com/office/drawing/2014/main" id="{4D464C7D-F566-5886-6B31-5BA3A13E44FF}"/>
+              </a:ext>
+            </a:extLst>
+          </p:cNvPr>
+          <p:cNvSpPr>
+            <a:spLocks noGrp="1"/>
+          </p:cNvSpPr>
+          <p:nvPr>
+            <p:ph type="title"/>
+          </p:nvPr>
+        </p:nvSpPr>
+        <p:spPr/>
+        <p:txBody>
+          <a:bodyPr/>
+          <a:lstStyle/>
+          <a:p>
+            <a:endParaRPr lang="en-US"/>
+          </a:p>
+        </p:txBody>
+      </p:sp>
+      <p:sp>
+        <p:nvSpPr>
+          <p:cNvPr id="3" name="Content Placeholder 2">
+            <a:extLst>
+              <a:ext uri="{FF2B5EF4-FFF2-40B4-BE49-F238E27FC236}">
+                <a16:creationId xmlns:a16="http://schemas.microsoft.com/office/drawing/2014/main" id="{4E774FB1-ED86-3B8C-9B8A-841D60C7EF7F}"/>
+              </a:ext>
+            </a:extLst>
+          </p:cNvPr>
+          <p:cNvSpPr>
+            <a:spLocks noGrp="1"/>
+          </p:cNvSpPr>
+          <p:nvPr>
+            <p:ph idx="1"/>
+          </p:nvPr>
+        </p:nvSpPr>
+        <p:spPr/>
+        <p:txBody>
+          <a:bodyPr/>
+          <a:lstStyle/>
+          <a:p>
+            <a:r>
+              <a:rPr lang="en-US" dirty="0" err="1"/>
+              <a:t>RelayInbox</a:t>
+            </a:r>
+            <a:endParaRPr lang="en-US" dirty="0"/>
+          </a:p>
+          <a:p>
+            <a:r>
+              <a:rPr lang="en-US" dirty="0" err="1"/>
+              <a:t>RelayDesk</a:t>
+            </a:r>
+            <a:endParaRPr lang="en-US" dirty="0"/>
+          </a:p>
+        </p:txBody>
+      </p:sp>
+    </p:spTree>
+    <p:extLst>
+      <p:ext uri="{BB962C8B-B14F-4D97-AF65-F5344CB8AC3E}">
+        <p14:creationId xmlns:p14="http://schemas.microsoft.com/office/powerpoint/2010/main" val="2489467329"/>
       </p:ext>
     </p:extLst>
   </p:cSld>
